--- a/머신러닝 _ MJH.pptx
+++ b/머신러닝 _ MJH.pptx
@@ -10592,7 +10592,7 @@
         <p:spPr>
           <a:xfrm>
             <a:off x="688877" y="1050010"/>
-            <a:ext cx="10814245" cy="4757980"/>
+            <a:ext cx="10814245" cy="4487190"/>
           </a:xfrm>
           <a:prstGeom prst="rect">
             <a:avLst/>
@@ -11027,6 +11027,31 @@
                 <a:ea typeface="맑은 고딕" panose="020B0503020000020004" pitchFamily="50" charset="-127"/>
               </a:rPr>
               <a:t>.</a:t>
+            </a:r>
+          </a:p>
+          <a:p>
+            <a:pPr marL="342900" indent="-342900" fontAlgn="base">
+              <a:lnSpc>
+                <a:spcPct val="300000"/>
+              </a:lnSpc>
+              <a:spcBef>
+                <a:spcPts val="0"/>
+              </a:spcBef>
+              <a:spcAft>
+                <a:spcPts val="500"/>
+              </a:spcAft>
+              <a:buFont typeface="Wingdings" panose="05000000000000000000" pitchFamily="2" charset="2"/>
+              <a:buChar char="ü"/>
+            </a:pPr>
+            <a:r>
+              <a:rPr lang="en-US" altLang="ko-KR" sz="2400" kern="0" spc="0">
+                <a:solidFill>
+                  <a:srgbClr val="000000"/>
+                </a:solidFill>
+                <a:latin typeface="맑은 고딕" panose="020B0503020000020004" pitchFamily="50" charset="-127"/>
+                <a:ea typeface="맑은 고딕" panose="020B0503020000020004" pitchFamily="50" charset="-127"/>
+              </a:rPr>
+              <a:t>https://github.com/moonjanghyun/numpy</a:t>
             </a:r>
           </a:p>
           <a:p>
